--- a/Тренировка счёта.pptx
+++ b/Тренировка счёта.pptx
@@ -8,8 +8,10 @@
     <p:sldId id="256" r:id="rId2"/>
     <p:sldId id="257" r:id="rId3"/>
     <p:sldId id="258" r:id="rId4"/>
-    <p:sldId id="260" r:id="rId5"/>
-    <p:sldId id="259" r:id="rId6"/>
+    <p:sldId id="261" r:id="rId5"/>
+    <p:sldId id="262" r:id="rId6"/>
+    <p:sldId id="263" r:id="rId7"/>
+    <p:sldId id="259" r:id="rId8"/>
   </p:sldIdLst>
   <p:sldSz cx="12192000" cy="6858000"/>
   <p:notesSz cx="6858000" cy="9144000"/>
@@ -108,6 +110,11 @@
       </a:defRPr>
     </a:lvl9pPr>
   </p:defaultTextStyle>
+  <p:extLst>
+    <p:ext uri="{EFAFB233-063F-42B5-8137-9DF3F51BA10A}">
+      <p15:sldGuideLst xmlns:p15="http://schemas.microsoft.com/office/powerpoint/2012/main"/>
+    </p:ext>
+  </p:extLst>
 </p:presentation>
 </file>
 
@@ -447,7 +454,7 @@
             <a:fld id="{5923F103-BC34-4FE4-A40E-EDDEECFDA5D0}" type="datetimeFigureOut">
               <a:rPr lang="en-US" dirty="0"/>
               <a:pPr/>
-              <a:t>4/22/2022</a:t>
+              <a:t>5/12/2022</a:t>
             </a:fld>
             <a:endParaRPr lang="en-US" dirty="0"/>
           </a:p>
@@ -1531,7 +1538,7 @@
           <a:p>
             <a:fld id="{923A1CC3-2375-41D4-9E03-427CAF2A4C1A}" type="datetimeFigureOut">
               <a:rPr lang="en-US" dirty="0"/>
-              <a:t>4/22/2022</a:t>
+              <a:t>5/12/2022</a:t>
             </a:fld>
             <a:endParaRPr lang="en-US" dirty="0"/>
           </a:p>
@@ -2507,7 +2514,7 @@
           <a:p>
             <a:fld id="{AFF16868-8199-4C2C-A5B1-63AEE139F88E}" type="datetimeFigureOut">
               <a:rPr lang="en-US" dirty="0"/>
-              <a:t>4/22/2022</a:t>
+              <a:t>5/12/2022</a:t>
             </a:fld>
             <a:endParaRPr lang="en-US" dirty="0"/>
           </a:p>
@@ -3637,7 +3644,7 @@
           <a:p>
             <a:fld id="{AAD9FF7F-6988-44CC-821B-644E70CD2F73}" type="datetimeFigureOut">
               <a:rPr lang="en-US" dirty="0"/>
-              <a:t>4/22/2022</a:t>
+              <a:t>5/12/2022</a:t>
             </a:fld>
             <a:endParaRPr lang="en-US" dirty="0"/>
           </a:p>
@@ -4666,7 +4673,7 @@
           <a:p>
             <a:fld id="{5C12C299-16B2-4475-990D-751901EACC14}" type="datetimeFigureOut">
               <a:rPr lang="en-US" dirty="0"/>
-              <a:t>4/22/2022</a:t>
+              <a:t>5/12/2022</a:t>
             </a:fld>
             <a:endParaRPr lang="en-US" dirty="0"/>
           </a:p>
@@ -5322,7 +5329,7 @@
           <a:p>
             <a:fld id="{9FE86839-B9D8-4651-8783-F325ECE74E65}" type="datetimeFigureOut">
               <a:rPr lang="en-US" dirty="0"/>
-              <a:t>4/22/2022</a:t>
+              <a:t>5/12/2022</a:t>
             </a:fld>
             <a:endParaRPr lang="en-US" dirty="0"/>
           </a:p>
@@ -6179,7 +6186,7 @@
           <a:p>
             <a:fld id="{FD484F64-32F6-45C5-931F-ADC1662401D0}" type="datetimeFigureOut">
               <a:rPr lang="en-US" dirty="0"/>
-              <a:t>4/22/2022</a:t>
+              <a:t>5/12/2022</a:t>
             </a:fld>
             <a:endParaRPr lang="en-US" dirty="0"/>
           </a:p>
@@ -6365,7 +6372,7 @@
           <a:p>
             <a:fld id="{53086D93-FCAC-47E0-A2EE-787E62CA814C}" type="datetimeFigureOut">
               <a:rPr lang="en-US" dirty="0"/>
-              <a:t>4/22/2022</a:t>
+              <a:t>5/12/2022</a:t>
             </a:fld>
             <a:endParaRPr lang="en-US" dirty="0"/>
           </a:p>
@@ -7333,7 +7340,7 @@
           <a:p>
             <a:fld id="{CDA879A6-0FD0-4734-A311-86BFCA472E6E}" type="datetimeFigureOut">
               <a:rPr lang="en-US" dirty="0"/>
-              <a:t>4/22/2022</a:t>
+              <a:t>5/12/2022</a:t>
             </a:fld>
             <a:endParaRPr lang="en-US" dirty="0"/>
           </a:p>
@@ -7540,7 +7547,7 @@
           <a:p>
             <a:fld id="{19C9CA7B-DFD4-44B5-8C60-D14B8CD1FB59}" type="datetimeFigureOut">
               <a:rPr lang="en-US" dirty="0"/>
-              <a:t>4/22/2022</a:t>
+              <a:t>5/12/2022</a:t>
             </a:fld>
             <a:endParaRPr lang="en-US" dirty="0"/>
           </a:p>
@@ -8570,7 +8577,7 @@
           <a:p>
             <a:fld id="{F34E6425-0181-43F2-84FC-787E803FD2F8}" type="datetimeFigureOut">
               <a:rPr lang="en-US" dirty="0"/>
-              <a:t>4/22/2022</a:t>
+              <a:t>5/12/2022</a:t>
             </a:fld>
             <a:endParaRPr lang="en-US" dirty="0"/>
           </a:p>
@@ -8838,7 +8845,7 @@
           <a:p>
             <a:fld id="{3BDB8791-F1B0-41E7-B7FD-A781E65C4266}" type="datetimeFigureOut">
               <a:rPr lang="en-US" dirty="0"/>
-              <a:t>4/22/2022</a:t>
+              <a:t>5/12/2022</a:t>
             </a:fld>
             <a:endParaRPr lang="en-US" dirty="0"/>
           </a:p>
@@ -9244,7 +9251,7 @@
           <a:p>
             <a:fld id="{5FDD63B2-E120-4ED8-B27B-C685F510A5FE}" type="datetimeFigureOut">
               <a:rPr lang="en-US" dirty="0"/>
-              <a:t>4/22/2022</a:t>
+              <a:t>5/12/2022</a:t>
             </a:fld>
             <a:endParaRPr lang="en-US" dirty="0"/>
           </a:p>
@@ -9367,7 +9374,7 @@
           <a:p>
             <a:fld id="{7AA18ACC-A947-437B-A130-35BD54FDF1E9}" type="datetimeFigureOut">
               <a:rPr lang="en-US" dirty="0"/>
-              <a:t>4/22/2022</a:t>
+              <a:t>5/12/2022</a:t>
             </a:fld>
             <a:endParaRPr lang="en-US" dirty="0"/>
           </a:p>
@@ -9458,7 +9465,7 @@
           <a:p>
             <a:fld id="{7C8D7E02-BCB8-4D50-A234-369438C08659}" type="datetimeFigureOut">
               <a:rPr lang="en-US" dirty="0"/>
-              <a:t>4/22/2022</a:t>
+              <a:t>5/12/2022</a:t>
             </a:fld>
             <a:endParaRPr lang="en-US" dirty="0"/>
           </a:p>
@@ -10535,7 +10542,7 @@
           <a:p>
             <a:fld id="{76E86A4C-8E40-4F87-A4F0-01A0687C5742}" type="datetimeFigureOut">
               <a:rPr lang="en-US" dirty="0"/>
-              <a:t>4/22/2022</a:t>
+              <a:t>5/12/2022</a:t>
             </a:fld>
             <a:endParaRPr lang="en-US" dirty="0"/>
           </a:p>
@@ -11639,7 +11646,7 @@
           <a:p>
             <a:fld id="{35E72C73-2D91-4E12-BA25-F0AA0C03599B}" type="datetimeFigureOut">
               <a:rPr lang="en-US" dirty="0"/>
-              <a:t>4/22/2022</a:t>
+              <a:t>5/12/2022</a:t>
             </a:fld>
             <a:endParaRPr lang="en-US" dirty="0"/>
           </a:p>
@@ -12632,7 +12639,7 @@
           <a:p>
             <a:fld id="{2BE451C3-0FF4-47C4-B829-773ADF60F88C}" type="datetimeFigureOut">
               <a:rPr lang="en-US" dirty="0"/>
-              <a:t>4/22/2022</a:t>
+              <a:t>5/12/2022</a:t>
             </a:fld>
             <a:endParaRPr lang="en-US" dirty="0"/>
           </a:p>
@@ -13204,10 +13211,10 @@
           <a:lstStyle/>
           <a:p>
             <a:r>
-              <a:rPr lang="ru-RU" dirty="0" smtClean="0"/>
+              <a:rPr lang="ru-RU" b="1" dirty="0" smtClean="0"/>
               <a:t>ТРЕНИРОВКА СЧЁТА</a:t>
             </a:r>
-            <a:endParaRPr lang="ru-RU" dirty="0"/>
+            <a:endParaRPr lang="ru-RU" b="1" dirty="0"/>
           </a:p>
         </p:txBody>
       </p:sp>
@@ -13238,6 +13245,47 @@
           </a:p>
         </p:txBody>
       </p:sp>
+      <p:pic>
+        <p:nvPicPr>
+          <p:cNvPr id="1026" name="Picture 2" descr="Программирование для детей IT Школа SAMSUNG в Екатеринбурге | Дворец  Молодёжи"/>
+          <p:cNvPicPr>
+            <a:picLocks noChangeAspect="1" noChangeArrowheads="1"/>
+          </p:cNvPicPr>
+          <p:nvPr/>
+        </p:nvPicPr>
+        <p:blipFill>
+          <a:blip r:embed="rId2">
+            <a:extLst>
+              <a:ext uri="{28A0092B-C50C-407E-A947-70E740481C1C}">
+                <a14:useLocalDpi xmlns:a14="http://schemas.microsoft.com/office/drawing/2010/main" val="0"/>
+              </a:ext>
+            </a:extLst>
+          </a:blip>
+          <a:srcRect/>
+          <a:stretch>
+            <a:fillRect/>
+          </a:stretch>
+        </p:blipFill>
+        <p:spPr bwMode="auto">
+          <a:xfrm>
+            <a:off x="8841920" y="5389850"/>
+            <a:ext cx="2876551" cy="1011090"/>
+          </a:xfrm>
+          <a:prstGeom prst="rect">
+            <a:avLst/>
+          </a:prstGeom>
+          <a:noFill/>
+          <a:extLst>
+            <a:ext uri="{909E8E84-426E-40DD-AFC4-6F175D3DCCD1}">
+              <a14:hiddenFill xmlns:a14="http://schemas.microsoft.com/office/drawing/2010/main">
+                <a:solidFill>
+                  <a:srgbClr val="FFFFFF"/>
+                </a:solidFill>
+              </a14:hiddenFill>
+            </a:ext>
+          </a:extLst>
+        </p:spPr>
+      </p:pic>
     </p:spTree>
     <p:extLst>
       <p:ext uri="{BB962C8B-B14F-4D97-AF65-F5344CB8AC3E}">
@@ -13289,10 +13337,10 @@
           <a:lstStyle/>
           <a:p>
             <a:r>
-              <a:rPr lang="ru-RU" dirty="0" smtClean="0"/>
-              <a:t>ФУНКЦИОНАЛ ПРИЛОЖЕНИЯ</a:t>
-            </a:r>
-            <a:endParaRPr lang="ru-RU" dirty="0"/>
+              <a:rPr lang="ru-RU" b="1" dirty="0" smtClean="0"/>
+              <a:t>ЦЕЛЬ И ЗАДУМКА ПРИЛОЖЕНИЯ</a:t>
+            </a:r>
+            <a:endParaRPr lang="ru-RU" b="1" dirty="0"/>
           </a:p>
         </p:txBody>
       </p:sp>
@@ -13316,22 +13364,51 @@
           <a:bodyPr/>
           <a:lstStyle/>
           <a:p>
-            <a:pPr marL="0" indent="0">
+            <a:pPr marL="0" indent="0" algn="just">
               <a:buNone/>
             </a:pPr>
             <a:r>
               <a:rPr lang="ru-RU" dirty="0" smtClean="0"/>
-              <a:t>Приложение представляет собой игру для детей, возрастом 4-7 лет. Цель игры – сосчитать количество предметов в игровой зоне, оно обычно разное. Чтобы перейти на следующий уровень, следует нажать на одну из четырех кнопок, расположенных внизу экрана.</a:t>
-            </a:r>
-          </a:p>
-          <a:p>
-            <a:pPr marL="0" indent="0">
+              <a:t>Приложение представляет собой игру для детей, возрастом 4-7 лет. Цель игры – сосчитать количество предметов в игровой зоне, оно обычно разное. Чтобы перейти на следующий уровень, следует нажать на одну из четырех кнопок, расположенных внизу экрана. В случае же поражения – игроку будет предложено начать игру заново.</a:t>
+            </a:r>
+          </a:p>
+          <a:p>
+            <a:pPr marL="0" indent="0" algn="just">
               <a:buNone/>
             </a:pPr>
             <a:r>
               <a:rPr lang="ru-RU" dirty="0" smtClean="0"/>
-              <a:t>При правильном ответе, игрока перекинет на следующий уровень, а счетчик, наверху экрана, увеличится на экран. В случае же поражения, игрока перекинет на экран с началом игры, счетчик, соответственно, обнулится.</a:t>
-            </a:r>
+              <a:t>Задача </a:t>
+            </a:r>
+            <a:r>
+              <a:rPr lang="ru-RU" dirty="0"/>
+              <a:t>проекта - обеспечить ребёнку интересное </a:t>
+            </a:r>
+            <a:r>
+              <a:rPr lang="en-US" dirty="0" smtClean="0"/>
+              <a:t>“</a:t>
+            </a:r>
+            <a:r>
+              <a:rPr lang="ru-RU" dirty="0" smtClean="0"/>
+              <a:t>времяпровождение</a:t>
+            </a:r>
+            <a:r>
+              <a:rPr lang="en-US" dirty="0" smtClean="0"/>
+              <a:t>”</a:t>
+            </a:r>
+            <a:r>
+              <a:rPr lang="ru-RU" dirty="0" smtClean="0"/>
+              <a:t> </a:t>
+            </a:r>
+            <a:r>
+              <a:rPr lang="ru-RU" dirty="0"/>
+              <a:t>с пользой</a:t>
+            </a:r>
+            <a:r>
+              <a:rPr lang="ru-RU" dirty="0" smtClean="0"/>
+              <a:t>.</a:t>
+            </a:r>
+            <a:endParaRPr lang="ru-RU" dirty="0"/>
           </a:p>
         </p:txBody>
       </p:sp>
@@ -13386,9 +13463,14 @@
           <a:lstStyle/>
           <a:p>
             <a:r>
-              <a:rPr lang="ru-RU" dirty="0"/>
-              <a:t>ЗАДЕЙСТВОВАННЫЕ БИБЛИОТЕКИ</a:t>
-            </a:r>
+              <a:rPr lang="ru-RU" b="1" dirty="0"/>
+              <a:t>ЗАДЕЙСТВОВАННЫЕ </a:t>
+            </a:r>
+            <a:r>
+              <a:rPr lang="ru-RU" b="1" dirty="0" smtClean="0"/>
+              <a:t>КЛАССЫ</a:t>
+            </a:r>
+            <a:endParaRPr lang="ru-RU" b="1" dirty="0"/>
           </a:p>
         </p:txBody>
       </p:sp>
@@ -13415,50 +13497,37 @@
             <a:pPr marL="0" indent="0">
               <a:buNone/>
             </a:pPr>
+            <a:endParaRPr lang="ru-RU" dirty="0"/>
+          </a:p>
+          <a:p>
             <a:r>
               <a:rPr lang="ru-RU" dirty="0" smtClean="0"/>
-              <a:t>Ни одно приложение не обходится без импорта различных библиотек, в моём случае, я импортировал следующие:</a:t>
-            </a:r>
-            <a:endParaRPr lang="en-US" dirty="0" smtClean="0"/>
-          </a:p>
-          <a:p>
-            <a:r>
-              <a:rPr lang="en-US" sz="2000" b="1" dirty="0" smtClean="0"/>
-              <a:t>GridView</a:t>
-            </a:r>
-          </a:p>
-          <a:p>
-            <a:r>
-              <a:rPr lang="en-US" sz="2000" b="1" dirty="0" smtClean="0"/>
-              <a:t>Random</a:t>
-            </a:r>
-          </a:p>
-          <a:p>
-            <a:r>
-              <a:rPr lang="en-US" sz="2000" b="1" dirty="0" smtClean="0"/>
-              <a:t>Widget.Button</a:t>
-            </a:r>
-          </a:p>
-          <a:p>
-            <a:r>
-              <a:rPr lang="en-US" sz="2000" b="1" dirty="0" smtClean="0"/>
-              <a:t>Content.Intent</a:t>
-            </a:r>
-          </a:p>
-          <a:p>
-            <a:r>
-              <a:rPr lang="en-US" sz="2000" b="1" dirty="0" smtClean="0"/>
-              <a:t>BaseAdapter</a:t>
-            </a:r>
-          </a:p>
-          <a:p>
-            <a:r>
-              <a:rPr lang="en-US" sz="2000" b="1" dirty="0" smtClean="0"/>
-              <a:t>ImageView</a:t>
-            </a:r>
-            <a:endParaRPr lang="ru-RU" sz="2000" dirty="0"/>
-          </a:p>
-          <a:p>
+              <a:t>widjet.Gridview </a:t>
+            </a:r>
+            <a:r>
+              <a:rPr lang="ru-RU" dirty="0"/>
+              <a:t>- для создания структуры игровой области</a:t>
+            </a:r>
+          </a:p>
+          <a:p>
+            <a:r>
+              <a:rPr lang="ru-RU" dirty="0" smtClean="0"/>
+              <a:t>widjet.Toast </a:t>
+            </a:r>
+            <a:r>
+              <a:rPr lang="ru-RU" dirty="0"/>
+              <a:t>- для создания всплывающих сообщений при выигрыше</a:t>
+            </a:r>
+          </a:p>
+          <a:p>
+            <a:r>
+              <a:rPr lang="ru-RU" dirty="0" smtClean="0"/>
+              <a:t>widjet.ImageView </a:t>
+            </a:r>
+            <a:r>
+              <a:rPr lang="ru-RU" dirty="0"/>
+              <a:t>- для использования изображений.</a:t>
+            </a:r>
             <a:endParaRPr lang="ru-RU" dirty="0" smtClean="0"/>
           </a:p>
         </p:txBody>
@@ -13505,8 +13574,8 @@
         </p:nvSpPr>
         <p:spPr>
           <a:xfrm>
-            <a:off x="489857" y="973668"/>
-            <a:ext cx="11217729" cy="961268"/>
+            <a:off x="1154954" y="973668"/>
+            <a:ext cx="9025910" cy="961268"/>
           </a:xfrm>
         </p:spPr>
         <p:txBody>
@@ -13514,199 +13583,80 @@
           <a:lstStyle/>
           <a:p>
             <a:r>
-              <a:rPr lang="ru-RU" dirty="0" smtClean="0"/>
-              <a:t>ПРИНЦИП РАБОТЫ</a:t>
-            </a:r>
-            <a:endParaRPr lang="ru-RU" dirty="0"/>
-          </a:p>
-        </p:txBody>
-      </p:sp>
-      <p:pic>
-        <p:nvPicPr>
-          <p:cNvPr id="5" name="Рисунок 4"/>
-          <p:cNvPicPr>
-            <a:picLocks noChangeAspect="1"/>
-          </p:cNvPicPr>
-          <p:nvPr/>
-        </p:nvPicPr>
-        <p:blipFill>
-          <a:blip r:embed="rId2"/>
-          <a:stretch>
-            <a:fillRect/>
-          </a:stretch>
-        </p:blipFill>
-        <p:spPr>
-          <a:xfrm>
-            <a:off x="4962404" y="2580185"/>
-            <a:ext cx="2272634" cy="3697076"/>
-          </a:xfrm>
-          <a:prstGeom prst="rect">
-            <a:avLst/>
-          </a:prstGeom>
-          <a:ln>
-            <a:noFill/>
-          </a:ln>
-          <a:effectLst>
-            <a:outerShdw blurRad="292100" dist="139700" dir="2700000" algn="tl" rotWithShape="0">
-              <a:srgbClr val="333333">
-                <a:alpha val="65000"/>
-              </a:srgbClr>
-            </a:outerShdw>
-          </a:effectLst>
-        </p:spPr>
-      </p:pic>
-      <p:pic>
-        <p:nvPicPr>
-          <p:cNvPr id="6" name="Рисунок 5"/>
-          <p:cNvPicPr>
-            <a:picLocks noChangeAspect="1"/>
-          </p:cNvPicPr>
-          <p:nvPr/>
-        </p:nvPicPr>
-        <p:blipFill>
-          <a:blip r:embed="rId3"/>
-          <a:stretch>
-            <a:fillRect/>
-          </a:stretch>
-        </p:blipFill>
-        <p:spPr>
-          <a:xfrm>
-            <a:off x="9271667" y="2580185"/>
-            <a:ext cx="2435919" cy="3697076"/>
-          </a:xfrm>
-          <a:prstGeom prst="rect">
-            <a:avLst/>
-          </a:prstGeom>
-          <a:ln>
-            <a:noFill/>
-          </a:ln>
-          <a:effectLst>
-            <a:outerShdw blurRad="292100" dist="139700" dir="2700000" algn="tl" rotWithShape="0">
-              <a:srgbClr val="333333">
-                <a:alpha val="65000"/>
-              </a:srgbClr>
-            </a:outerShdw>
-          </a:effectLst>
-        </p:spPr>
-      </p:pic>
-      <p:pic>
-        <p:nvPicPr>
-          <p:cNvPr id="7" name="Рисунок 6"/>
-          <p:cNvPicPr>
-            <a:picLocks noChangeAspect="1"/>
-          </p:cNvPicPr>
-          <p:nvPr/>
-        </p:nvPicPr>
-        <p:blipFill>
-          <a:blip r:embed="rId4"/>
-          <a:stretch>
-            <a:fillRect/>
-          </a:stretch>
-        </p:blipFill>
-        <p:spPr>
-          <a:xfrm>
-            <a:off x="693963" y="2528069"/>
-            <a:ext cx="2231812" cy="3749192"/>
-          </a:xfrm>
-          <a:prstGeom prst="rect">
-            <a:avLst/>
-          </a:prstGeom>
-          <a:ln>
-            <a:noFill/>
-          </a:ln>
-          <a:effectLst>
-            <a:outerShdw blurRad="292100" dist="139700" dir="2700000" algn="tl" rotWithShape="0">
-              <a:srgbClr val="333333">
-                <a:alpha val="65000"/>
-              </a:srgbClr>
-            </a:outerShdw>
-          </a:effectLst>
-        </p:spPr>
-      </p:pic>
-      <p:sp>
-        <p:nvSpPr>
-          <p:cNvPr id="8" name="Стрелка вправо 7"/>
-          <p:cNvSpPr/>
-          <p:nvPr/>
-        </p:nvSpPr>
-        <p:spPr>
-          <a:xfrm>
-            <a:off x="3086839" y="4325231"/>
-            <a:ext cx="1714500" cy="155121"/>
-          </a:xfrm>
-          <a:prstGeom prst="rightArrow">
-            <a:avLst/>
-          </a:prstGeom>
-        </p:spPr>
-        <p:style>
-          <a:lnRef idx="2">
-            <a:schemeClr val="accent5">
-              <a:shade val="50000"/>
-            </a:schemeClr>
-          </a:lnRef>
-          <a:fillRef idx="1">
-            <a:schemeClr val="accent5"/>
-          </a:fillRef>
-          <a:effectRef idx="0">
-            <a:schemeClr val="accent5"/>
-          </a:effectRef>
-          <a:fontRef idx="minor">
-            <a:schemeClr val="lt1"/>
-          </a:fontRef>
-        </p:style>
-        <p:txBody>
-          <a:bodyPr rtlCol="0" anchor="ctr"/>
-          <a:lstStyle/>
-          <a:p>
-            <a:pPr algn="ctr"/>
-            <a:endParaRPr lang="ru-RU"/>
+              <a:rPr lang="ru-RU" b="1" dirty="0" smtClean="0"/>
+              <a:t>ВОЗМОЖНОСТИ ПРИЛОЖЕНИЯ</a:t>
+            </a:r>
+            <a:endParaRPr lang="ru-RU" b="1" dirty="0"/>
           </a:p>
         </p:txBody>
       </p:sp>
       <p:sp>
         <p:nvSpPr>
-          <p:cNvPr id="9" name="Стрелка вправо 8"/>
-          <p:cNvSpPr/>
-          <p:nvPr/>
+          <p:cNvPr id="3" name="Объект 2"/>
+          <p:cNvSpPr>
+            <a:spLocks noGrp="1"/>
+          </p:cNvSpPr>
+          <p:nvPr>
+            <p:ph idx="1"/>
+          </p:nvPr>
         </p:nvSpPr>
         <p:spPr>
           <a:xfrm>
-            <a:off x="7314459" y="4325231"/>
-            <a:ext cx="1877786" cy="175130"/>
+            <a:off x="702129" y="2334985"/>
+            <a:ext cx="10940142" cy="4310743"/>
           </a:xfrm>
-          <a:prstGeom prst="rightArrow">
-            <a:avLst/>
-          </a:prstGeom>
         </p:spPr>
-        <p:style>
-          <a:lnRef idx="2">
-            <a:schemeClr val="accent5">
-              <a:shade val="50000"/>
-            </a:schemeClr>
-          </a:lnRef>
-          <a:fillRef idx="1">
-            <a:schemeClr val="accent5"/>
-          </a:fillRef>
-          <a:effectRef idx="0">
-            <a:schemeClr val="accent5"/>
-          </a:effectRef>
-          <a:fontRef idx="minor">
-            <a:schemeClr val="lt1"/>
-          </a:fontRef>
-        </p:style>
         <p:txBody>
-          <a:bodyPr rtlCol="0" anchor="ctr"/>
+          <a:bodyPr/>
           <a:lstStyle/>
           <a:p>
-            <a:pPr algn="ctr"/>
-            <a:endParaRPr lang="ru-RU"/>
+            <a:pPr marL="0" indent="0" algn="just">
+              <a:buNone/>
+            </a:pPr>
+            <a:r>
+              <a:rPr lang="ru-RU" dirty="0"/>
+              <a:t>В игровой зоне рандомно генерируются изображения, в разном кол-ве и местах. Снизу находятся четыре кнопки, </a:t>
+            </a:r>
+            <a:r>
+              <a:rPr lang="ru-RU" dirty="0" smtClean="0"/>
+              <a:t>на которых </a:t>
+            </a:r>
+            <a:r>
+              <a:rPr lang="ru-RU" dirty="0"/>
+              <a:t>рандомно генерируются цифры, </a:t>
+            </a:r>
+            <a:r>
+              <a:rPr lang="ru-RU" dirty="0" smtClean="0"/>
+              <a:t>т.е. </a:t>
+            </a:r>
+            <a:r>
+              <a:rPr lang="ru-RU" dirty="0"/>
+              <a:t>варианты ответов, один из них правильный. При правильном ответе, </a:t>
+            </a:r>
+            <a:r>
+              <a:rPr lang="ru-RU" dirty="0" smtClean="0"/>
+              <a:t>зона генерируется </a:t>
+            </a:r>
+            <a:r>
+              <a:rPr lang="ru-RU" dirty="0"/>
+              <a:t>заново, а счетчик вверху экрана увеличивается на 1. В случае же неправильного  ответа, мы </a:t>
+            </a:r>
+            <a:r>
+              <a:rPr lang="ru-RU" dirty="0" smtClean="0"/>
+              <a:t>оказываемся </a:t>
+            </a:r>
+            <a:r>
+              <a:rPr lang="ru-RU" dirty="0"/>
+              <a:t>на "экране проигрыша", где мы можем начать игру заново, счетчик при этом конечно же сбрасывается.</a:t>
+            </a:r>
+            <a:endParaRPr lang="ru-RU" dirty="0" smtClean="0"/>
           </a:p>
         </p:txBody>
       </p:sp>
     </p:spTree>
     <p:extLst>
       <p:ext uri="{BB962C8B-B14F-4D97-AF65-F5344CB8AC3E}">
-        <p14:creationId xmlns:p14="http://schemas.microsoft.com/office/powerpoint/2010/main" val="3902621379"/>
+        <p14:creationId xmlns:p14="http://schemas.microsoft.com/office/powerpoint/2010/main" val="152320291"/>
       </p:ext>
     </p:extLst>
   </p:cSld>
@@ -13755,9 +13705,330 @@
           <a:p>
             <a:r>
               <a:rPr lang="ru-RU" dirty="0" smtClean="0"/>
-              <a:t>ПЛАНЫ И ДОРАБОТКИ</a:t>
+              <a:t>ТЕХНИЧЕСКАЯ СОСТАВЛЯЮЩАЯ</a:t>
             </a:r>
             <a:endParaRPr lang="ru-RU" dirty="0"/>
+          </a:p>
+        </p:txBody>
+      </p:sp>
+      <p:sp>
+        <p:nvSpPr>
+          <p:cNvPr id="3" name="Объект 2"/>
+          <p:cNvSpPr>
+            <a:spLocks noGrp="1"/>
+          </p:cNvSpPr>
+          <p:nvPr>
+            <p:ph idx="1"/>
+          </p:nvPr>
+        </p:nvSpPr>
+        <p:spPr>
+          <a:xfrm>
+            <a:off x="702129" y="2334985"/>
+            <a:ext cx="6686549" cy="4310743"/>
+          </a:xfrm>
+        </p:spPr>
+        <p:txBody>
+          <a:bodyPr/>
+          <a:lstStyle/>
+          <a:p>
+            <a:pPr marL="0" indent="0" algn="just">
+              <a:buNone/>
+            </a:pPr>
+            <a:r>
+              <a:rPr lang="ru-RU" dirty="0"/>
+              <a:t>Игровая активность состоит из элемента GridView, состоящего из 12 полей, в котором рандомно генерируются в </a:t>
+            </a:r>
+            <a:r>
+              <a:rPr lang="ru-RU" dirty="0" smtClean="0"/>
+              <a:t>разном </a:t>
+            </a:r>
+            <a:r>
+              <a:rPr lang="ru-RU" dirty="0"/>
+              <a:t>положении и количестве изображения. Генерация происходит с помощью класса BaseAdapter, </a:t>
+            </a:r>
+            <a:r>
+              <a:rPr lang="ru-RU" dirty="0" smtClean="0"/>
+              <a:t>который используется </a:t>
+            </a:r>
+            <a:r>
+              <a:rPr lang="ru-RU" dirty="0"/>
+              <a:t>в классе ImageAdapter, который в свою очередь генерирует изображения. Роль класса BaseAdapter - </a:t>
+            </a:r>
+            <a:r>
+              <a:rPr lang="ru-RU" dirty="0" smtClean="0"/>
+              <a:t>создание </a:t>
+            </a:r>
+            <a:r>
+              <a:rPr lang="ru-RU" dirty="0"/>
+              <a:t>переменных и упрощение их дальнейшего использования в ImageAdapter.</a:t>
+            </a:r>
+            <a:endParaRPr lang="ru-RU" dirty="0" smtClean="0"/>
+          </a:p>
+        </p:txBody>
+      </p:sp>
+      <p:pic>
+        <p:nvPicPr>
+          <p:cNvPr id="2050" name="Picture 2" descr="Некоторые клетки в таблице 4 на 4 закрашены. Известно, что любая  закрашенная клетка имеет - Школьные Знания.com"/>
+          <p:cNvPicPr>
+            <a:picLocks noChangeAspect="1" noChangeArrowheads="1"/>
+          </p:cNvPicPr>
+          <p:nvPr/>
+        </p:nvPicPr>
+        <p:blipFill>
+          <a:blip r:embed="rId2">
+            <a:extLst>
+              <a:ext uri="{28A0092B-C50C-407E-A947-70E740481C1C}">
+                <a14:useLocalDpi xmlns:a14="http://schemas.microsoft.com/office/drawing/2010/main" val="0"/>
+              </a:ext>
+            </a:extLst>
+          </a:blip>
+          <a:srcRect/>
+          <a:stretch>
+            <a:fillRect/>
+          </a:stretch>
+        </p:blipFill>
+        <p:spPr bwMode="auto">
+          <a:xfrm>
+            <a:off x="7568746" y="2334985"/>
+            <a:ext cx="4106183" cy="4106185"/>
+          </a:xfrm>
+          <a:prstGeom prst="rect">
+            <a:avLst/>
+          </a:prstGeom>
+          <a:noFill/>
+          <a:extLst>
+            <a:ext uri="{909E8E84-426E-40DD-AFC4-6F175D3DCCD1}">
+              <a14:hiddenFill xmlns:a14="http://schemas.microsoft.com/office/drawing/2010/main">
+                <a:solidFill>
+                  <a:srgbClr val="FFFFFF"/>
+                </a:solidFill>
+              </a14:hiddenFill>
+            </a:ext>
+          </a:extLst>
+        </p:spPr>
+      </p:pic>
+    </p:spTree>
+    <p:extLst>
+      <p:ext uri="{BB962C8B-B14F-4D97-AF65-F5344CB8AC3E}">
+        <p14:creationId xmlns:p14="http://schemas.microsoft.com/office/powerpoint/2010/main" val="4175348424"/>
+      </p:ext>
+    </p:extLst>
+  </p:cSld>
+  <p:clrMapOvr>
+    <a:masterClrMapping/>
+  </p:clrMapOvr>
+</p:sld>
+</file>
+
+<file path=ppt/slides/slide6.xml><?xml version="1.0" encoding="utf-8"?>
+<p:sld xmlns:a="http://schemas.openxmlformats.org/drawingml/2006/main" xmlns:r="http://schemas.openxmlformats.org/officeDocument/2006/relationships" xmlns:p="http://schemas.openxmlformats.org/presentationml/2006/main">
+  <p:cSld>
+    <p:spTree>
+      <p:nvGrpSpPr>
+        <p:cNvPr id="1" name=""/>
+        <p:cNvGrpSpPr/>
+        <p:nvPr/>
+      </p:nvGrpSpPr>
+      <p:grpSpPr>
+        <a:xfrm>
+          <a:off x="0" y="0"/>
+          <a:ext cx="0" cy="0"/>
+          <a:chOff x="0" y="0"/>
+          <a:chExt cx="0" cy="0"/>
+        </a:xfrm>
+      </p:grpSpPr>
+      <p:sp>
+        <p:nvSpPr>
+          <p:cNvPr id="2" name="Заголовок 1"/>
+          <p:cNvSpPr>
+            <a:spLocks noGrp="1"/>
+          </p:cNvSpPr>
+          <p:nvPr>
+            <p:ph type="title"/>
+          </p:nvPr>
+        </p:nvSpPr>
+        <p:spPr>
+          <a:xfrm>
+            <a:off x="1154954" y="973668"/>
+            <a:ext cx="9025910" cy="961268"/>
+          </a:xfrm>
+        </p:spPr>
+        <p:txBody>
+          <a:bodyPr/>
+          <a:lstStyle/>
+          <a:p>
+            <a:r>
+              <a:rPr lang="ru-RU" b="1" dirty="0" smtClean="0"/>
+              <a:t>ДИЗАЙН ПРИЛОЖЕНИЯ</a:t>
+            </a:r>
+            <a:endParaRPr lang="ru-RU" b="1" dirty="0"/>
+          </a:p>
+        </p:txBody>
+      </p:sp>
+      <p:sp>
+        <p:nvSpPr>
+          <p:cNvPr id="3" name="Объект 2"/>
+          <p:cNvSpPr>
+            <a:spLocks noGrp="1"/>
+          </p:cNvSpPr>
+          <p:nvPr>
+            <p:ph idx="1"/>
+          </p:nvPr>
+        </p:nvSpPr>
+        <p:spPr>
+          <a:xfrm>
+            <a:off x="702130" y="2334985"/>
+            <a:ext cx="4433542" cy="4416544"/>
+          </a:xfrm>
+        </p:spPr>
+        <p:txBody>
+          <a:bodyPr>
+            <a:normAutofit/>
+          </a:bodyPr>
+          <a:lstStyle/>
+          <a:p>
+            <a:pPr marL="0" indent="0" algn="just">
+              <a:buNone/>
+            </a:pPr>
+            <a:r>
+              <a:rPr lang="ru-RU" sz="2000" dirty="0"/>
+              <a:t>Дизайн приложения я считаю одним из важнейших факторов восприятия приложения. В разы приятнее иметь дело </a:t>
+            </a:r>
+            <a:r>
+              <a:rPr lang="ru-RU" sz="2000" dirty="0" smtClean="0"/>
+              <a:t>с красивым</a:t>
+            </a:r>
+            <a:r>
+              <a:rPr lang="ru-RU" sz="2000" dirty="0"/>
+              <a:t>, насыщенным, ярким, ровным приложением. Особенно это касается моего приложения, ибо его основное </a:t>
+            </a:r>
+            <a:r>
+              <a:rPr lang="ru-RU" sz="2000" dirty="0" smtClean="0"/>
+              <a:t>направление </a:t>
+            </a:r>
+            <a:r>
+              <a:rPr lang="ru-RU" sz="2000" dirty="0"/>
+              <a:t>- дети, а дети, как вы наверняка знаете, любят все яркое и блестящее. Оно было выполнено в </a:t>
+            </a:r>
+            <a:r>
+              <a:rPr lang="ru-RU" sz="2000" dirty="0" err="1" smtClean="0"/>
+              <a:t>xml</a:t>
+            </a:r>
+            <a:r>
+              <a:rPr lang="ru-RU" sz="2000" dirty="0" smtClean="0"/>
+              <a:t> разметке </a:t>
+            </a:r>
+            <a:r>
+              <a:rPr lang="ru-RU" sz="2000" dirty="0"/>
+              <a:t>каждой активности.</a:t>
+            </a:r>
+            <a:endParaRPr lang="ru-RU" sz="2000" dirty="0" smtClean="0"/>
+          </a:p>
+        </p:txBody>
+      </p:sp>
+      <p:pic>
+        <p:nvPicPr>
+          <p:cNvPr id="4" name="Рисунок 3"/>
+          <p:cNvPicPr>
+            <a:picLocks noChangeAspect="1"/>
+          </p:cNvPicPr>
+          <p:nvPr/>
+        </p:nvPicPr>
+        <p:blipFill>
+          <a:blip r:embed="rId2"/>
+          <a:stretch>
+            <a:fillRect/>
+          </a:stretch>
+        </p:blipFill>
+        <p:spPr>
+          <a:xfrm>
+            <a:off x="5829963" y="2339686"/>
+            <a:ext cx="2581265" cy="4138218"/>
+          </a:xfrm>
+          <a:prstGeom prst="rect">
+            <a:avLst/>
+          </a:prstGeom>
+        </p:spPr>
+      </p:pic>
+      <p:pic>
+        <p:nvPicPr>
+          <p:cNvPr id="6" name="Рисунок 5"/>
+          <p:cNvPicPr>
+            <a:picLocks noChangeAspect="1"/>
+          </p:cNvPicPr>
+          <p:nvPr/>
+        </p:nvPicPr>
+        <p:blipFill>
+          <a:blip r:embed="rId3"/>
+          <a:stretch>
+            <a:fillRect/>
+          </a:stretch>
+        </p:blipFill>
+        <p:spPr>
+          <a:xfrm>
+            <a:off x="9105519" y="2334985"/>
+            <a:ext cx="2581265" cy="4142919"/>
+          </a:xfrm>
+          <a:prstGeom prst="rect">
+            <a:avLst/>
+          </a:prstGeom>
+        </p:spPr>
+      </p:pic>
+    </p:spTree>
+    <p:extLst>
+      <p:ext uri="{BB962C8B-B14F-4D97-AF65-F5344CB8AC3E}">
+        <p14:creationId xmlns:p14="http://schemas.microsoft.com/office/powerpoint/2010/main" val="1943422459"/>
+      </p:ext>
+    </p:extLst>
+  </p:cSld>
+  <p:clrMapOvr>
+    <a:masterClrMapping/>
+  </p:clrMapOvr>
+</p:sld>
+</file>
+
+<file path=ppt/slides/slide7.xml><?xml version="1.0" encoding="utf-8"?>
+<p:sld xmlns:a="http://schemas.openxmlformats.org/drawingml/2006/main" xmlns:r="http://schemas.openxmlformats.org/officeDocument/2006/relationships" xmlns:p="http://schemas.openxmlformats.org/presentationml/2006/main">
+  <p:cSld>
+    <p:spTree>
+      <p:nvGrpSpPr>
+        <p:cNvPr id="1" name=""/>
+        <p:cNvGrpSpPr/>
+        <p:nvPr/>
+      </p:nvGrpSpPr>
+      <p:grpSpPr>
+        <a:xfrm>
+          <a:off x="0" y="0"/>
+          <a:ext cx="0" cy="0"/>
+          <a:chOff x="0" y="0"/>
+          <a:chExt cx="0" cy="0"/>
+        </a:xfrm>
+      </p:grpSpPr>
+      <p:sp>
+        <p:nvSpPr>
+          <p:cNvPr id="2" name="Заголовок 1"/>
+          <p:cNvSpPr>
+            <a:spLocks noGrp="1"/>
+          </p:cNvSpPr>
+          <p:nvPr>
+            <p:ph type="title"/>
+          </p:nvPr>
+        </p:nvSpPr>
+        <p:spPr>
+          <a:xfrm>
+            <a:off x="1154954" y="973668"/>
+            <a:ext cx="9025910" cy="961268"/>
+          </a:xfrm>
+        </p:spPr>
+        <p:txBody>
+          <a:bodyPr/>
+          <a:lstStyle/>
+          <a:p>
+            <a:r>
+              <a:rPr lang="ru-RU" b="1" dirty="0" smtClean="0"/>
+              <a:t>ДОРАБОТКИ</a:t>
+            </a:r>
+            <a:endParaRPr lang="ru-RU" b="1" dirty="0"/>
           </a:p>
         </p:txBody>
       </p:sp>
@@ -13781,60 +14052,67 @@
           <a:bodyPr/>
           <a:lstStyle/>
           <a:p>
-            <a:pPr marL="0" indent="0">
-              <a:buNone/>
-            </a:pPr>
-            <a:r>
-              <a:rPr lang="ru-RU" dirty="0" smtClean="0"/>
-              <a:t>Я считаю, что следует:</a:t>
-            </a:r>
-          </a:p>
-          <a:p>
-            <a:r>
-              <a:rPr lang="ru-RU" sz="2000" b="1" dirty="0"/>
-              <a:t>с</a:t>
-            </a:r>
             <a:r>
               <a:rPr lang="ru-RU" sz="2000" b="1" dirty="0" smtClean="0"/>
-              <a:t>делать систему сложностей</a:t>
-            </a:r>
-          </a:p>
-          <a:p>
+              <a:t>Можно попробовать сделать </a:t>
+            </a:r>
             <a:r>
               <a:rPr lang="ru-RU" sz="2000" b="1" dirty="0" smtClean="0"/>
-              <a:t>разнообразить картинки с предметами</a:t>
-            </a:r>
-          </a:p>
-          <a:p>
-            <a:r>
-              <a:rPr lang="ru-RU" sz="2000" b="1" dirty="0"/>
-              <a:t>с</a:t>
-            </a:r>
+              <a:t>систему сложностей</a:t>
+            </a:r>
+          </a:p>
+          <a:p>
             <a:r>
               <a:rPr lang="ru-RU" sz="2000" b="1" dirty="0" smtClean="0"/>
-              <a:t>делать более яркий и красивый дизайн</a:t>
+              <a:t>Можно разнообразить </a:t>
+            </a:r>
+            <a:r>
+              <a:rPr lang="ru-RU" sz="2000" b="1" dirty="0" smtClean="0"/>
+              <a:t>картинки с предметами</a:t>
+            </a:r>
+          </a:p>
+          <a:p>
+            <a:r>
+              <a:rPr lang="ru-RU" sz="2000" b="1" dirty="0" smtClean="0"/>
+              <a:t>Можно сделать </a:t>
+            </a:r>
+            <a:r>
+              <a:rPr lang="ru-RU" sz="2000" b="1" dirty="0" smtClean="0"/>
+              <a:t>более яркий и красивый дизайн</a:t>
             </a:r>
             <a:endParaRPr lang="ru-RU" sz="2000" b="1" dirty="0"/>
           </a:p>
           <a:p>
             <a:r>
-              <a:rPr lang="ru-RU" sz="2000" b="1" dirty="0"/>
-              <a:t>и</a:t>
-            </a:r>
-            <a:r>
               <a:rPr lang="ru-RU" sz="2000" b="1" dirty="0" smtClean="0"/>
-              <a:t>справить мелкие косяки и недоработки (текст, разметка на разных устройствах)</a:t>
-            </a:r>
-          </a:p>
-          <a:p>
-            <a:r>
-              <a:rPr lang="ru-RU" sz="2000" b="1" dirty="0"/>
-              <a:t>з</a:t>
-            </a:r>
+              <a:t>Можно попробовать внедрить простенькую анимацию</a:t>
+            </a:r>
+          </a:p>
+          <a:p>
             <a:r>
               <a:rPr lang="ru-RU" sz="2000" b="1" dirty="0" smtClean="0"/>
-              <a:t>адуматься о внедрении максимально простой анимации</a:t>
-            </a:r>
+              <a:t>Можно задуматься о создании </a:t>
+            </a:r>
+            <a:r>
+              <a:rPr lang="en-US" sz="2000" b="1" dirty="0" smtClean="0"/>
+              <a:t>“</a:t>
+            </a:r>
+            <a:r>
+              <a:rPr lang="ru-RU" sz="2000" b="1" dirty="0" smtClean="0"/>
+              <a:t>режимов</a:t>
+            </a:r>
+            <a:r>
+              <a:rPr lang="en-US" sz="2000" b="1" dirty="0" smtClean="0"/>
+              <a:t>”</a:t>
+            </a:r>
+            <a:r>
+              <a:rPr lang="ru-RU" sz="2000" b="1" dirty="0" smtClean="0"/>
+              <a:t>, где будет немного иная задача, но суть та же – тренировка счёта</a:t>
+            </a:r>
+            <a:endParaRPr lang="ru-RU" sz="2000" b="1" dirty="0" smtClean="0"/>
+          </a:p>
+          <a:p>
+            <a:endParaRPr lang="ru-RU" sz="2000" b="1" dirty="0" smtClean="0"/>
           </a:p>
           <a:p>
             <a:endParaRPr lang="ru-RU" b="1" dirty="0" smtClean="0"/>

--- a/Тренировка счёта.pptx
+++ b/Тренировка счёта.pptx
@@ -454,7 +454,7 @@
             <a:fld id="{5923F103-BC34-4FE4-A40E-EDDEECFDA5D0}" type="datetimeFigureOut">
               <a:rPr lang="en-US" dirty="0"/>
               <a:pPr/>
-              <a:t>5/12/2022</a:t>
+              <a:t>5/21/2022</a:t>
             </a:fld>
             <a:endParaRPr lang="en-US" dirty="0"/>
           </a:p>
@@ -1538,7 +1538,7 @@
           <a:p>
             <a:fld id="{923A1CC3-2375-41D4-9E03-427CAF2A4C1A}" type="datetimeFigureOut">
               <a:rPr lang="en-US" dirty="0"/>
-              <a:t>5/12/2022</a:t>
+              <a:t>5/21/2022</a:t>
             </a:fld>
             <a:endParaRPr lang="en-US" dirty="0"/>
           </a:p>
@@ -2514,7 +2514,7 @@
           <a:p>
             <a:fld id="{AFF16868-8199-4C2C-A5B1-63AEE139F88E}" type="datetimeFigureOut">
               <a:rPr lang="en-US" dirty="0"/>
-              <a:t>5/12/2022</a:t>
+              <a:t>5/21/2022</a:t>
             </a:fld>
             <a:endParaRPr lang="en-US" dirty="0"/>
           </a:p>
@@ -3644,7 +3644,7 @@
           <a:p>
             <a:fld id="{AAD9FF7F-6988-44CC-821B-644E70CD2F73}" type="datetimeFigureOut">
               <a:rPr lang="en-US" dirty="0"/>
-              <a:t>5/12/2022</a:t>
+              <a:t>5/21/2022</a:t>
             </a:fld>
             <a:endParaRPr lang="en-US" dirty="0"/>
           </a:p>
@@ -4673,7 +4673,7 @@
           <a:p>
             <a:fld id="{5C12C299-16B2-4475-990D-751901EACC14}" type="datetimeFigureOut">
               <a:rPr lang="en-US" dirty="0"/>
-              <a:t>5/12/2022</a:t>
+              <a:t>5/21/2022</a:t>
             </a:fld>
             <a:endParaRPr lang="en-US" dirty="0"/>
           </a:p>
@@ -5329,7 +5329,7 @@
           <a:p>
             <a:fld id="{9FE86839-B9D8-4651-8783-F325ECE74E65}" type="datetimeFigureOut">
               <a:rPr lang="en-US" dirty="0"/>
-              <a:t>5/12/2022</a:t>
+              <a:t>5/21/2022</a:t>
             </a:fld>
             <a:endParaRPr lang="en-US" dirty="0"/>
           </a:p>
@@ -6186,7 +6186,7 @@
           <a:p>
             <a:fld id="{FD484F64-32F6-45C5-931F-ADC1662401D0}" type="datetimeFigureOut">
               <a:rPr lang="en-US" dirty="0"/>
-              <a:t>5/12/2022</a:t>
+              <a:t>5/21/2022</a:t>
             </a:fld>
             <a:endParaRPr lang="en-US" dirty="0"/>
           </a:p>
@@ -6372,7 +6372,7 @@
           <a:p>
             <a:fld id="{53086D93-FCAC-47E0-A2EE-787E62CA814C}" type="datetimeFigureOut">
               <a:rPr lang="en-US" dirty="0"/>
-              <a:t>5/12/2022</a:t>
+              <a:t>5/21/2022</a:t>
             </a:fld>
             <a:endParaRPr lang="en-US" dirty="0"/>
           </a:p>
@@ -7340,7 +7340,7 @@
           <a:p>
             <a:fld id="{CDA879A6-0FD0-4734-A311-86BFCA472E6E}" type="datetimeFigureOut">
               <a:rPr lang="en-US" dirty="0"/>
-              <a:t>5/12/2022</a:t>
+              <a:t>5/21/2022</a:t>
             </a:fld>
             <a:endParaRPr lang="en-US" dirty="0"/>
           </a:p>
@@ -7547,7 +7547,7 @@
           <a:p>
             <a:fld id="{19C9CA7B-DFD4-44B5-8C60-D14B8CD1FB59}" type="datetimeFigureOut">
               <a:rPr lang="en-US" dirty="0"/>
-              <a:t>5/12/2022</a:t>
+              <a:t>5/21/2022</a:t>
             </a:fld>
             <a:endParaRPr lang="en-US" dirty="0"/>
           </a:p>
@@ -8577,7 +8577,7 @@
           <a:p>
             <a:fld id="{F34E6425-0181-43F2-84FC-787E803FD2F8}" type="datetimeFigureOut">
               <a:rPr lang="en-US" dirty="0"/>
-              <a:t>5/12/2022</a:t>
+              <a:t>5/21/2022</a:t>
             </a:fld>
             <a:endParaRPr lang="en-US" dirty="0"/>
           </a:p>
@@ -8845,7 +8845,7 @@
           <a:p>
             <a:fld id="{3BDB8791-F1B0-41E7-B7FD-A781E65C4266}" type="datetimeFigureOut">
               <a:rPr lang="en-US" dirty="0"/>
-              <a:t>5/12/2022</a:t>
+              <a:t>5/21/2022</a:t>
             </a:fld>
             <a:endParaRPr lang="en-US" dirty="0"/>
           </a:p>
@@ -9251,7 +9251,7 @@
           <a:p>
             <a:fld id="{5FDD63B2-E120-4ED8-B27B-C685F510A5FE}" type="datetimeFigureOut">
               <a:rPr lang="en-US" dirty="0"/>
-              <a:t>5/12/2022</a:t>
+              <a:t>5/21/2022</a:t>
             </a:fld>
             <a:endParaRPr lang="en-US" dirty="0"/>
           </a:p>
@@ -9374,7 +9374,7 @@
           <a:p>
             <a:fld id="{7AA18ACC-A947-437B-A130-35BD54FDF1E9}" type="datetimeFigureOut">
               <a:rPr lang="en-US" dirty="0"/>
-              <a:t>5/12/2022</a:t>
+              <a:t>5/21/2022</a:t>
             </a:fld>
             <a:endParaRPr lang="en-US" dirty="0"/>
           </a:p>
@@ -9465,7 +9465,7 @@
           <a:p>
             <a:fld id="{7C8D7E02-BCB8-4D50-A234-369438C08659}" type="datetimeFigureOut">
               <a:rPr lang="en-US" dirty="0"/>
-              <a:t>5/12/2022</a:t>
+              <a:t>5/21/2022</a:t>
             </a:fld>
             <a:endParaRPr lang="en-US" dirty="0"/>
           </a:p>
@@ -10542,7 +10542,7 @@
           <a:p>
             <a:fld id="{76E86A4C-8E40-4F87-A4F0-01A0687C5742}" type="datetimeFigureOut">
               <a:rPr lang="en-US" dirty="0"/>
-              <a:t>5/12/2022</a:t>
+              <a:t>5/21/2022</a:t>
             </a:fld>
             <a:endParaRPr lang="en-US" dirty="0"/>
           </a:p>
@@ -11646,7 +11646,7 @@
           <a:p>
             <a:fld id="{35E72C73-2D91-4E12-BA25-F0AA0C03599B}" type="datetimeFigureOut">
               <a:rPr lang="en-US" dirty="0"/>
-              <a:t>5/12/2022</a:t>
+              <a:t>5/21/2022</a:t>
             </a:fld>
             <a:endParaRPr lang="en-US" dirty="0"/>
           </a:p>
@@ -12639,7 +12639,7 @@
           <a:p>
             <a:fld id="{2BE451C3-0FF4-47C4-B829-773ADF60F88C}" type="datetimeFigureOut">
               <a:rPr lang="en-US" dirty="0"/>
-              <a:t>5/12/2022</a:t>
+              <a:t>5/21/2022</a:t>
             </a:fld>
             <a:endParaRPr lang="en-US" dirty="0"/>
           </a:p>
@@ -13369,7 +13369,40 @@
             </a:pPr>
             <a:r>
               <a:rPr lang="ru-RU" dirty="0" smtClean="0"/>
-              <a:t>Приложение представляет собой игру для детей, возрастом 4-7 лет. Цель игры – сосчитать количество предметов в игровой зоне, оно обычно разное. Чтобы перейти на следующий уровень, следует нажать на одну из четырех кнопок, расположенных внизу экрана. В случае же поражения – игроку будет предложено начать игру заново.</a:t>
+              <a:t>Цель </a:t>
+            </a:r>
+            <a:r>
+              <a:rPr lang="ru-RU" dirty="0" smtClean="0"/>
+              <a:t>игры – сосчитать количество предметов в игровой </a:t>
+            </a:r>
+            <a:r>
+              <a:rPr lang="ru-RU" dirty="0" smtClean="0"/>
+              <a:t>зоне</a:t>
+            </a:r>
+            <a:r>
+              <a:rPr lang="ru-RU" dirty="0" smtClean="0"/>
+              <a:t>. При верном ответе – мы получаем +1 очко и следующий уровень.</a:t>
+            </a:r>
+          </a:p>
+          <a:p>
+            <a:pPr marL="0" indent="0" algn="just">
+              <a:buNone/>
+            </a:pPr>
+            <a:r>
+              <a:rPr lang="ru-RU" dirty="0" smtClean="0"/>
+              <a:t>В </a:t>
+            </a:r>
+            <a:r>
+              <a:rPr lang="ru-RU" dirty="0" smtClean="0"/>
+              <a:t>случае же поражения </a:t>
+            </a:r>
+            <a:r>
+              <a:rPr lang="ru-RU" dirty="0" smtClean="0"/>
+              <a:t>– будет </a:t>
+            </a:r>
+            <a:r>
+              <a:rPr lang="ru-RU" dirty="0" smtClean="0"/>
+              <a:t>предложено начать игру заново.</a:t>
             </a:r>
           </a:p>
           <a:p>
@@ -13382,7 +13415,11 @@
             </a:r>
             <a:r>
               <a:rPr lang="ru-RU" dirty="0"/>
-              <a:t>проекта - обеспечить ребёнку интересное </a:t>
+              <a:t>проекта - обеспечить ребёнку </a:t>
+            </a:r>
+            <a:r>
+              <a:rPr lang="ru-RU" dirty="0" smtClean="0"/>
+              <a:t>интересное и полезное </a:t>
             </a:r>
             <a:r>
               <a:rPr lang="en-US" dirty="0" smtClean="0"/>
@@ -13395,18 +13432,6 @@
             <a:r>
               <a:rPr lang="en-US" dirty="0" smtClean="0"/>
               <a:t>”</a:t>
-            </a:r>
-            <a:r>
-              <a:rPr lang="ru-RU" dirty="0" smtClean="0"/>
-              <a:t> </a:t>
-            </a:r>
-            <a:r>
-              <a:rPr lang="ru-RU" dirty="0"/>
-              <a:t>с пользой</a:t>
-            </a:r>
-            <a:r>
-              <a:rPr lang="ru-RU" dirty="0" smtClean="0"/>
-              <a:t>.</a:t>
             </a:r>
             <a:endParaRPr lang="ru-RU" dirty="0"/>
           </a:p>
@@ -13422,6 +13447,13 @@
   <p:clrMapOvr>
     <a:masterClrMapping/>
   </p:clrMapOvr>
+  <p:timing>
+    <p:tnLst>
+      <p:par>
+        <p:cTn id="1" dur="indefinite" restart="never" nodeType="tmRoot"/>
+      </p:par>
+    </p:tnLst>
+  </p:timing>
 </p:sld>
 </file>
 
@@ -13542,6 +13574,13 @@
   <p:clrMapOvr>
     <a:masterClrMapping/>
   </p:clrMapOvr>
+  <p:timing>
+    <p:tnLst>
+      <p:par>
+        <p:cTn id="1" dur="indefinite" restart="never" nodeType="tmRoot"/>
+      </p:par>
+    </p:tnLst>
+  </p:timing>
 </p:sld>
 </file>
 
@@ -13584,7 +13623,11 @@
           <a:p>
             <a:r>
               <a:rPr lang="ru-RU" b="1" dirty="0" smtClean="0"/>
-              <a:t>ВОЗМОЖНОСТИ ПРИЛОЖЕНИЯ</a:t>
+              <a:t>ПРИНЦИП ИСПОЛЬЗОВАНИЯ </a:t>
+            </a:r>
+            <a:r>
+              <a:rPr lang="ru-RU" b="1" dirty="0" smtClean="0"/>
+              <a:t>ПРИЛОЖЕНИЯ</a:t>
             </a:r>
             <a:endParaRPr lang="ru-RU" b="1" dirty="0"/>
           </a:p>
@@ -13663,6 +13706,13 @@
   <p:clrMapOvr>
     <a:masterClrMapping/>
   </p:clrMapOvr>
+  <p:timing>
+    <p:tnLst>
+      <p:par>
+        <p:cTn id="1" dur="indefinite" restart="never" nodeType="tmRoot"/>
+      </p:par>
+    </p:tnLst>
+  </p:timing>
 </p:sld>
 </file>
 
@@ -13724,7 +13774,7 @@
         <p:spPr>
           <a:xfrm>
             <a:off x="702129" y="2334985"/>
-            <a:ext cx="6686549" cy="4310743"/>
+            <a:ext cx="6735535" cy="4310743"/>
           </a:xfrm>
         </p:spPr>
         <p:txBody>
@@ -13736,23 +13786,33 @@
             </a:pPr>
             <a:r>
               <a:rPr lang="ru-RU" dirty="0"/>
-              <a:t>Игровая активность состоит из элемента GridView, состоящего из 12 полей, в котором рандомно генерируются в </a:t>
-            </a:r>
+              <a:t>Игровая активность состоит из элемента GridView, </a:t>
+            </a:r>
+            <a:endParaRPr lang="en-US" dirty="0"/>
+          </a:p>
+          <a:p>
+            <a:pPr marL="0" indent="0" algn="just">
+              <a:buNone/>
+            </a:pPr>
             <a:r>
               <a:rPr lang="ru-RU" dirty="0" smtClean="0"/>
-              <a:t>разном </a:t>
+              <a:t>Генерация </a:t>
             </a:r>
             <a:r>
               <a:rPr lang="ru-RU" dirty="0"/>
-              <a:t>положении и количестве изображения. Генерация происходит с помощью класса BaseAdapter, </a:t>
+              <a:t>происходит с помощью класса </a:t>
             </a:r>
             <a:r>
               <a:rPr lang="ru-RU" dirty="0" smtClean="0"/>
-              <a:t>который используется </a:t>
-            </a:r>
-            <a:r>
-              <a:rPr lang="ru-RU" dirty="0"/>
-              <a:t>в классе ImageAdapter, который в свою очередь генерирует изображения. Роль класса BaseAdapter - </a:t>
+              <a:t>BaseAdapter</a:t>
+            </a:r>
+            <a:r>
+              <a:rPr lang="ru-RU" dirty="0" smtClean="0"/>
+              <a:t>, его</a:t>
+            </a:r>
+            <a:r>
+              <a:rPr lang="ru-RU" dirty="0" smtClean="0"/>
+              <a:t> роль - </a:t>
             </a:r>
             <a:r>
               <a:rPr lang="ru-RU" dirty="0" smtClean="0"/>
@@ -13768,7 +13828,7 @@
       </p:sp>
       <p:pic>
         <p:nvPicPr>
-          <p:cNvPr id="2050" name="Picture 2" descr="Некоторые клетки в таблице 4 на 4 закрашены. Известно, что любая  закрашенная клетка имеет - Школьные Знания.com"/>
+          <p:cNvPr id="1026" name="Picture 2" descr="How to display divider/border between GridView items in Android - Android  Examples"/>
           <p:cNvPicPr>
             <a:picLocks noChangeAspect="1" noChangeArrowheads="1"/>
           </p:cNvPicPr>
@@ -13789,8 +13849,8 @@
         </p:blipFill>
         <p:spPr bwMode="auto">
           <a:xfrm>
-            <a:off x="7568746" y="2334985"/>
-            <a:ext cx="4106183" cy="4106185"/>
+            <a:off x="7519308" y="2300389"/>
+            <a:ext cx="4065814" cy="4345339"/>
           </a:xfrm>
           <a:prstGeom prst="rect">
             <a:avLst/>
@@ -13817,6 +13877,13 @@
   <p:clrMapOvr>
     <a:masterClrMapping/>
   </p:clrMapOvr>
+  <p:timing>
+    <p:tnLst>
+      <p:par>
+        <p:cTn id="1" dur="indefinite" restart="never" nodeType="tmRoot"/>
+      </p:par>
+    </p:tnLst>
+  </p:timing>
 </p:sld>
 </file>
 
@@ -13892,23 +13959,21 @@
             </a:pPr>
             <a:r>
               <a:rPr lang="ru-RU" sz="2000" dirty="0"/>
-              <a:t>Дизайн приложения я считаю одним из важнейших факторов восприятия приложения. В разы приятнее иметь дело </a:t>
-            </a:r>
+              <a:t>Дизайн приложения я считаю одним из важнейших факторов восприятия приложения. </a:t>
+            </a:r>
+            <a:endParaRPr lang="ru-RU" sz="2000" dirty="0" smtClean="0"/>
+          </a:p>
+          <a:p>
+            <a:pPr marL="0" indent="0" algn="just">
+              <a:buNone/>
+            </a:pPr>
             <a:r>
               <a:rPr lang="ru-RU" sz="2000" dirty="0" smtClean="0"/>
-              <a:t>с красивым</a:t>
+              <a:t>Оно </a:t>
             </a:r>
             <a:r>
               <a:rPr lang="ru-RU" sz="2000" dirty="0"/>
-              <a:t>, насыщенным, ярким, ровным приложением. Особенно это касается моего приложения, ибо его основное </a:t>
-            </a:r>
-            <a:r>
-              <a:rPr lang="ru-RU" sz="2000" dirty="0" smtClean="0"/>
-              <a:t>направление </a:t>
-            </a:r>
-            <a:r>
-              <a:rPr lang="ru-RU" sz="2000" dirty="0"/>
-              <a:t>- дети, а дети, как вы наверняка знаете, любят все яркое и блестящее. Оно было выполнено в </a:t>
+              <a:t>было выполнено в </a:t>
             </a:r>
             <a:r>
               <a:rPr lang="ru-RU" sz="2000" dirty="0" err="1" smtClean="0"/>
@@ -13984,6 +14049,13 @@
   <p:clrMapOvr>
     <a:masterClrMapping/>
   </p:clrMapOvr>
+  <p:timing>
+    <p:tnLst>
+      <p:par>
+        <p:cTn id="1" dur="indefinite" restart="never" nodeType="tmRoot"/>
+      </p:par>
+    </p:tnLst>
+  </p:timing>
 </p:sld>
 </file>
 
@@ -14054,31 +14126,19 @@
           <a:p>
             <a:r>
               <a:rPr lang="ru-RU" sz="2000" b="1" dirty="0" smtClean="0"/>
-              <a:t>Можно попробовать сделать </a:t>
-            </a:r>
+              <a:t>Можно попробовать сделать систему сложностей</a:t>
+            </a:r>
+          </a:p>
+          <a:p>
             <a:r>
               <a:rPr lang="ru-RU" sz="2000" b="1" dirty="0" smtClean="0"/>
-              <a:t>систему сложностей</a:t>
+              <a:t>Можно разнообразить картинки с предметами</a:t>
             </a:r>
           </a:p>
           <a:p>
             <a:r>
               <a:rPr lang="ru-RU" sz="2000" b="1" dirty="0" smtClean="0"/>
-              <a:t>Можно разнообразить </a:t>
-            </a:r>
-            <a:r>
-              <a:rPr lang="ru-RU" sz="2000" b="1" dirty="0" smtClean="0"/>
-              <a:t>картинки с предметами</a:t>
-            </a:r>
-          </a:p>
-          <a:p>
-            <a:r>
-              <a:rPr lang="ru-RU" sz="2000" b="1" dirty="0" smtClean="0"/>
-              <a:t>Можно сделать </a:t>
-            </a:r>
-            <a:r>
-              <a:rPr lang="ru-RU" sz="2000" b="1" dirty="0" smtClean="0"/>
-              <a:t>более яркий и красивый дизайн</a:t>
+              <a:t>Можно сделать более яркий и красивый дизайн</a:t>
             </a:r>
             <a:endParaRPr lang="ru-RU" sz="2000" b="1" dirty="0"/>
           </a:p>
@@ -14109,7 +14169,6 @@
               <a:rPr lang="ru-RU" sz="2000" b="1" dirty="0" smtClean="0"/>
               <a:t>, где будет немного иная задача, но суть та же – тренировка счёта</a:t>
             </a:r>
-            <a:endParaRPr lang="ru-RU" sz="2000" b="1" dirty="0" smtClean="0"/>
           </a:p>
           <a:p>
             <a:endParaRPr lang="ru-RU" sz="2000" b="1" dirty="0" smtClean="0"/>
@@ -14129,6 +14188,13 @@
   <p:clrMapOvr>
     <a:masterClrMapping/>
   </p:clrMapOvr>
+  <p:timing>
+    <p:tnLst>
+      <p:par>
+        <p:cTn id="1" dur="indefinite" restart="never" nodeType="tmRoot"/>
+      </p:par>
+    </p:tnLst>
+  </p:timing>
 </p:sld>
 </file>
 
